--- a/RD Processor.pptx
+++ b/RD Processor.pptx
@@ -321,7 +321,7 @@
             <a:fld id="{1D8BD707-D9CF-40AE-B4C6-C98DA3205C09}" type="datetimeFigureOut">
               <a:rPr lang="en-US" smtClean="0"/>
               <a:pPr/>
-              <a:t>3/4/2017</a:t>
+              <a:t>3/16/2017</a:t>
             </a:fld>
             <a:endParaRPr lang="en-US"/>
           </a:p>
@@ -488,7 +488,7 @@
             <a:fld id="{1D8BD707-D9CF-40AE-B4C6-C98DA3205C09}" type="datetimeFigureOut">
               <a:rPr lang="en-US" smtClean="0"/>
               <a:pPr/>
-              <a:t>3/4/2017</a:t>
+              <a:t>3/16/2017</a:t>
             </a:fld>
             <a:endParaRPr lang="en-US"/>
           </a:p>
@@ -665,7 +665,7 @@
             <a:fld id="{1D8BD707-D9CF-40AE-B4C6-C98DA3205C09}" type="datetimeFigureOut">
               <a:rPr lang="en-US" smtClean="0"/>
               <a:pPr/>
-              <a:t>3/4/2017</a:t>
+              <a:t>3/16/2017</a:t>
             </a:fld>
             <a:endParaRPr lang="en-US"/>
           </a:p>
@@ -832,7 +832,7 @@
             <a:fld id="{1D8BD707-D9CF-40AE-B4C6-C98DA3205C09}" type="datetimeFigureOut">
               <a:rPr lang="en-US" smtClean="0"/>
               <a:pPr/>
-              <a:t>3/4/2017</a:t>
+              <a:t>3/16/2017</a:t>
             </a:fld>
             <a:endParaRPr lang="en-US"/>
           </a:p>
@@ -1075,7 +1075,7 @@
             <a:fld id="{1D8BD707-D9CF-40AE-B4C6-C98DA3205C09}" type="datetimeFigureOut">
               <a:rPr lang="en-US" smtClean="0"/>
               <a:pPr/>
-              <a:t>3/4/2017</a:t>
+              <a:t>3/16/2017</a:t>
             </a:fld>
             <a:endParaRPr lang="en-US"/>
           </a:p>
@@ -1360,7 +1360,7 @@
             <a:fld id="{1D8BD707-D9CF-40AE-B4C6-C98DA3205C09}" type="datetimeFigureOut">
               <a:rPr lang="en-US" smtClean="0"/>
               <a:pPr/>
-              <a:t>3/4/2017</a:t>
+              <a:t>3/16/2017</a:t>
             </a:fld>
             <a:endParaRPr lang="en-US"/>
           </a:p>
@@ -1779,7 +1779,7 @@
             <a:fld id="{1D8BD707-D9CF-40AE-B4C6-C98DA3205C09}" type="datetimeFigureOut">
               <a:rPr lang="en-US" smtClean="0"/>
               <a:pPr/>
-              <a:t>3/4/2017</a:t>
+              <a:t>3/16/2017</a:t>
             </a:fld>
             <a:endParaRPr lang="en-US"/>
           </a:p>
@@ -1894,7 +1894,7 @@
             <a:fld id="{1D8BD707-D9CF-40AE-B4C6-C98DA3205C09}" type="datetimeFigureOut">
               <a:rPr lang="en-US" smtClean="0"/>
               <a:pPr/>
-              <a:t>3/4/2017</a:t>
+              <a:t>3/16/2017</a:t>
             </a:fld>
             <a:endParaRPr lang="en-US"/>
           </a:p>
@@ -1986,7 +1986,7 @@
             <a:fld id="{1D8BD707-D9CF-40AE-B4C6-C98DA3205C09}" type="datetimeFigureOut">
               <a:rPr lang="en-US" smtClean="0"/>
               <a:pPr/>
-              <a:t>3/4/2017</a:t>
+              <a:t>3/16/2017</a:t>
             </a:fld>
             <a:endParaRPr lang="en-US"/>
           </a:p>
@@ -2260,7 +2260,7 @@
             <a:fld id="{1D8BD707-D9CF-40AE-B4C6-C98DA3205C09}" type="datetimeFigureOut">
               <a:rPr lang="en-US" smtClean="0"/>
               <a:pPr/>
-              <a:t>3/4/2017</a:t>
+              <a:t>3/16/2017</a:t>
             </a:fld>
             <a:endParaRPr lang="en-US"/>
           </a:p>
@@ -2510,7 +2510,7 @@
             <a:fld id="{1D8BD707-D9CF-40AE-B4C6-C98DA3205C09}" type="datetimeFigureOut">
               <a:rPr lang="en-US" smtClean="0"/>
               <a:pPr/>
-              <a:t>3/4/2017</a:t>
+              <a:t>3/16/2017</a:t>
             </a:fld>
             <a:endParaRPr lang="en-US"/>
           </a:p>
@@ -2720,7 +2720,7 @@
             <a:fld id="{1D8BD707-D9CF-40AE-B4C6-C98DA3205C09}" type="datetimeFigureOut">
               <a:rPr lang="en-US" smtClean="0"/>
               <a:pPr/>
-              <a:t>3/4/2017</a:t>
+              <a:t>3/16/2017</a:t>
             </a:fld>
             <a:endParaRPr lang="en-US"/>
           </a:p>
@@ -5398,11 +5398,7 @@
             </a:pPr>
             <a:r>
               <a:rPr lang="en-US" dirty="0" smtClean="0"/>
-              <a:t>Only colliding instruction are 5 and 2, such pipelining can be easily implemented by more complex </a:t>
-            </a:r>
-            <a:r>
-              <a:rPr lang="en-US" dirty="0" smtClean="0"/>
-              <a:t>sequencer    </a:t>
+              <a:t>Only colliding instruction are 5 and 2, such pipelining can be easily implemented by more complex sequencer    </a:t>
             </a:r>
             <a:endParaRPr lang="en-US" dirty="0"/>
           </a:p>
@@ -5475,15 +5471,7 @@
           <a:p>
             <a:r>
               <a:rPr lang="en-US" dirty="0" smtClean="0"/>
-              <a:t>Due to Single bus architecture, </a:t>
-            </a:r>
-            <a:r>
-              <a:rPr lang="en-US" dirty="0" smtClean="0"/>
-              <a:t>It </a:t>
-            </a:r>
-            <a:r>
-              <a:rPr lang="en-US" dirty="0" smtClean="0"/>
-              <a:t>has no separate Bus control unit, hence there can not be pipelining at macro instruction level. (after the instruction set is defined in ROM).hence inherently slower than pipelined processor.</a:t>
+              <a:t>Due to Single bus architecture, It has no separate Bus control unit, hence there can not be pipelining at macro instruction level. (after the instruction set is defined in ROM).hence inherently slower than pipelined processor.</a:t>
             </a:r>
           </a:p>
           <a:p>
@@ -5784,30 +5772,21 @@
             </a:r>
             <a:r>
               <a:rPr lang="en-US" dirty="0" smtClean="0"/>
-              <a:t> by using 2 EEPROMs  of 8 bit data width or 1 EEPROM of 16 bit Data width, Along with pipelining at microcode level to </a:t>
-            </a:r>
-            <a:r>
-              <a:rPr lang="en-US" dirty="0" smtClean="0"/>
-              <a:t>decrease CPI and hence increase </a:t>
+              <a:t> by using 2 EEPROMs  of 8 bit data width or 1 EEPROM of 16 bit Data width, Along with pipelining at microcode level to decrease CPI and hence increase </a:t>
             </a:r>
             <a:r>
               <a:rPr lang="en-US" dirty="0" err="1" smtClean="0"/>
               <a:t>effeciency</a:t>
             </a:r>
             <a:r>
-              <a:rPr lang="en-US" smtClean="0"/>
+              <a:rPr lang="en-US" dirty="0" smtClean="0"/>
               <a:t>.</a:t>
             </a:r>
-            <a:endParaRPr lang="en-US" smtClean="0"/>
-          </a:p>
-          <a:p>
-            <a:r>
-              <a:rPr lang="en-US" dirty="0" smtClean="0"/>
-              <a:t>Implementation </a:t>
-            </a:r>
-            <a:r>
-              <a:rPr lang="en-US" dirty="0" smtClean="0"/>
-              <a:t>of pipelining at microcode by redesigning microcode sequencer.</a:t>
+          </a:p>
+          <a:p>
+            <a:r>
+              <a:rPr lang="en-US" dirty="0" smtClean="0"/>
+              <a:t>Implementation of pipelining at microcode by redesigning microcode sequencer.</a:t>
             </a:r>
           </a:p>
           <a:p>
@@ -6052,7 +6031,11 @@
           <a:p>
             <a:r>
               <a:rPr lang="en-US" dirty="0" smtClean="0"/>
-              <a:t>Instruction set emulation can provide software Compatibility.</a:t>
+              <a:t>Instruction set emulation can provide software </a:t>
+            </a:r>
+            <a:r>
+              <a:rPr lang="en-US" dirty="0" smtClean="0"/>
+              <a:t>Compatibility at Hardware level.</a:t>
             </a:r>
             <a:endParaRPr lang="en-US" dirty="0"/>
           </a:p>
